--- a/DB수업/실습문제20220818.pptx
+++ b/DB수업/실습문제20220818.pptx
@@ -2982,12 +2982,14 @@
         </p:nvSpPr>
         <p:spPr>
           <a:xfrm>
-            <a:off x="761288" y="765947"/>
-            <a:ext cx="10515600" cy="4351338"/>
+            <a:off x="761288" y="765946"/>
+            <a:ext cx="10515600" cy="5863453"/>
           </a:xfrm>
         </p:spPr>
         <p:txBody>
-          <a:bodyPr/>
+          <a:bodyPr>
+            <a:normAutofit/>
+          </a:bodyPr>
           <a:lstStyle/>
           <a:p>
             <a:r>
@@ -3023,7 +3025,11 @@
             </a:r>
             <a:r>
               <a:rPr lang="en-US" altLang="ko-KR" dirty="0" smtClean="0"/>
-              <a:t>(_id) : </a:t>
+              <a:t>(id</a:t>
+            </a:r>
+            <a:r>
+              <a:rPr lang="en-US" altLang="ko-KR" dirty="0" smtClean="0"/>
+              <a:t>) : </a:t>
             </a:r>
             <a:r>
               <a:rPr lang="ko-KR" altLang="en-US" dirty="0" smtClean="0"/>
@@ -3035,7 +3041,27 @@
             </a:r>
             <a:r>
               <a:rPr lang="ko-KR" altLang="en-US" dirty="0" smtClean="0"/>
-              <a:t>순차적으로 증가</a:t>
+              <a:t>순차적으로 </a:t>
+            </a:r>
+            <a:r>
+              <a:rPr lang="ko-KR" altLang="en-US" dirty="0" smtClean="0"/>
+              <a:t>증가</a:t>
+            </a:r>
+            <a:r>
+              <a:rPr lang="en-US" altLang="ko-KR" dirty="0" smtClean="0"/>
+              <a:t>(</a:t>
+            </a:r>
+            <a:r>
+              <a:rPr lang="ko-KR" altLang="en-US" dirty="0" smtClean="0"/>
+              <a:t>앞에 </a:t>
+            </a:r>
+            <a:r>
+              <a:rPr lang="ko-KR" altLang="en-US" dirty="0" err="1" smtClean="0"/>
+              <a:t>언더바안됨</a:t>
+            </a:r>
+            <a:r>
+              <a:rPr lang="en-US" altLang="ko-KR" smtClean="0"/>
+              <a:t>)</a:t>
             </a:r>
             <a:endParaRPr lang="en-US" altLang="ko-KR" dirty="0" smtClean="0"/>
           </a:p>
@@ -3162,7 +3188,11 @@
             </a:r>
             <a:r>
               <a:rPr lang="en-US" altLang="ko-KR" dirty="0" smtClean="0"/>
-              <a:t>(_id) : </a:t>
+              <a:t>(id</a:t>
+            </a:r>
+            <a:r>
+              <a:rPr lang="en-US" altLang="ko-KR" dirty="0" smtClean="0"/>
+              <a:t>) : </a:t>
             </a:r>
             <a:r>
               <a:rPr lang="ko-KR" altLang="en-US" dirty="0" smtClean="0"/>
@@ -3223,6 +3253,33 @@
             <a:r>
               <a:rPr lang="ko-KR" altLang="en-US" dirty="0" smtClean="0"/>
               <a:t>정수</a:t>
+            </a:r>
+            <a:endParaRPr lang="en-US" altLang="ko-KR" dirty="0" smtClean="0"/>
+          </a:p>
+          <a:p>
+            <a:pPr lvl="1"/>
+            <a:endParaRPr lang="en-US" altLang="ko-KR" dirty="0"/>
+          </a:p>
+          <a:p>
+            <a:r>
+              <a:rPr lang="ko-KR" altLang="en-US" dirty="0" smtClean="0"/>
+              <a:t>최종 결과를 </a:t>
+            </a:r>
+            <a:r>
+              <a:rPr lang="en-US" altLang="ko-KR" dirty="0" smtClean="0"/>
+              <a:t>join</a:t>
+            </a:r>
+            <a:r>
+              <a:rPr lang="ko-KR" altLang="en-US" dirty="0" smtClean="0"/>
+              <a:t>으로 </a:t>
+            </a:r>
+            <a:r>
+              <a:rPr lang="ko-KR" altLang="en-US" dirty="0" err="1" smtClean="0"/>
+              <a:t>나타내볼</a:t>
+            </a:r>
+            <a:r>
+              <a:rPr lang="ko-KR" altLang="en-US" dirty="0" smtClean="0"/>
+              <a:t> 것</a:t>
             </a:r>
             <a:endParaRPr lang="en-US" altLang="ko-KR" dirty="0" smtClean="0"/>
           </a:p>
